--- a/dojo_02_miyajima/ dojo_02_cordinig_design2.pptx
+++ b/dojo_02_miyajima/ dojo_02_cordinig_design2.pptx
@@ -199,7 +199,7 @@
           <a:p>
             <a:fld id="{C7D01095-D25D-A445-A201-D8896F3961E8}" type="datetimeFigureOut">
               <a:rPr kumimoji="1" lang="ja-JP" altLang="en-US" smtClean="0"/>
-              <a:t>2024/10/8</a:t>
+              <a:t>2024/10/9</a:t>
             </a:fld>
             <a:endParaRPr kumimoji="1" lang="ja-JP" altLang="en-US"/>
           </a:p>
@@ -729,7 +729,7 @@
           <a:p>
             <a:fld id="{8957537A-E593-C244-8FA2-8DE7DF7C250B}" type="datetimeFigureOut">
               <a:rPr kumimoji="1" lang="ja-JP" altLang="en-US" smtClean="0"/>
-              <a:t>2024/10/8</a:t>
+              <a:t>2024/10/9</a:t>
             </a:fld>
             <a:endParaRPr kumimoji="1" lang="ja-JP" altLang="en-US"/>
           </a:p>
@@ -959,7 +959,7 @@
           <a:p>
             <a:fld id="{8957537A-E593-C244-8FA2-8DE7DF7C250B}" type="datetimeFigureOut">
               <a:rPr kumimoji="1" lang="ja-JP" altLang="en-US" smtClean="0"/>
-              <a:t>2024/10/8</a:t>
+              <a:t>2024/10/9</a:t>
             </a:fld>
             <a:endParaRPr kumimoji="1" lang="ja-JP" altLang="en-US"/>
           </a:p>
@@ -1199,7 +1199,7 @@
           <a:p>
             <a:fld id="{8957537A-E593-C244-8FA2-8DE7DF7C250B}" type="datetimeFigureOut">
               <a:rPr kumimoji="1" lang="ja-JP" altLang="en-US" smtClean="0"/>
-              <a:t>2024/10/8</a:t>
+              <a:t>2024/10/9</a:t>
             </a:fld>
             <a:endParaRPr kumimoji="1" lang="ja-JP" altLang="en-US"/>
           </a:p>
@@ -1429,7 +1429,7 @@
           <a:p>
             <a:fld id="{8957537A-E593-C244-8FA2-8DE7DF7C250B}" type="datetimeFigureOut">
               <a:rPr kumimoji="1" lang="ja-JP" altLang="en-US" smtClean="0"/>
-              <a:t>2024/10/8</a:t>
+              <a:t>2024/10/9</a:t>
             </a:fld>
             <a:endParaRPr kumimoji="1" lang="ja-JP" altLang="en-US"/>
           </a:p>
@@ -1704,7 +1704,7 @@
           <a:p>
             <a:fld id="{8957537A-E593-C244-8FA2-8DE7DF7C250B}" type="datetimeFigureOut">
               <a:rPr kumimoji="1" lang="ja-JP" altLang="en-US" smtClean="0"/>
-              <a:t>2024/10/8</a:t>
+              <a:t>2024/10/9</a:t>
             </a:fld>
             <a:endParaRPr kumimoji="1" lang="ja-JP" altLang="en-US"/>
           </a:p>
@@ -2033,7 +2033,7 @@
           <a:p>
             <a:fld id="{8957537A-E593-C244-8FA2-8DE7DF7C250B}" type="datetimeFigureOut">
               <a:rPr kumimoji="1" lang="ja-JP" altLang="en-US" smtClean="0"/>
-              <a:t>2024/10/8</a:t>
+              <a:t>2024/10/9</a:t>
             </a:fld>
             <a:endParaRPr kumimoji="1" lang="ja-JP" altLang="en-US"/>
           </a:p>
@@ -2509,7 +2509,7 @@
           <a:p>
             <a:fld id="{8957537A-E593-C244-8FA2-8DE7DF7C250B}" type="datetimeFigureOut">
               <a:rPr kumimoji="1" lang="ja-JP" altLang="en-US" smtClean="0"/>
-              <a:t>2024/10/8</a:t>
+              <a:t>2024/10/9</a:t>
             </a:fld>
             <a:endParaRPr kumimoji="1" lang="ja-JP" altLang="en-US"/>
           </a:p>
@@ -2650,7 +2650,7 @@
           <a:p>
             <a:fld id="{8957537A-E593-C244-8FA2-8DE7DF7C250B}" type="datetimeFigureOut">
               <a:rPr kumimoji="1" lang="ja-JP" altLang="en-US" smtClean="0"/>
-              <a:t>2024/10/8</a:t>
+              <a:t>2024/10/9</a:t>
             </a:fld>
             <a:endParaRPr kumimoji="1" lang="ja-JP" altLang="en-US"/>
           </a:p>
@@ -2763,7 +2763,7 @@
           <a:p>
             <a:fld id="{8957537A-E593-C244-8FA2-8DE7DF7C250B}" type="datetimeFigureOut">
               <a:rPr kumimoji="1" lang="ja-JP" altLang="en-US" smtClean="0"/>
-              <a:t>2024/10/8</a:t>
+              <a:t>2024/10/9</a:t>
             </a:fld>
             <a:endParaRPr kumimoji="1" lang="ja-JP" altLang="en-US"/>
           </a:p>
@@ -3106,7 +3106,7 @@
           <a:p>
             <a:fld id="{8957537A-E593-C244-8FA2-8DE7DF7C250B}" type="datetimeFigureOut">
               <a:rPr kumimoji="1" lang="ja-JP" altLang="en-US" smtClean="0"/>
-              <a:t>2024/10/8</a:t>
+              <a:t>2024/10/9</a:t>
             </a:fld>
             <a:endParaRPr kumimoji="1" lang="ja-JP" altLang="en-US"/>
           </a:p>
@@ -3394,7 +3394,7 @@
           <a:p>
             <a:fld id="{8957537A-E593-C244-8FA2-8DE7DF7C250B}" type="datetimeFigureOut">
               <a:rPr kumimoji="1" lang="ja-JP" altLang="en-US" smtClean="0"/>
-              <a:t>2024/10/8</a:t>
+              <a:t>2024/10/9</a:t>
             </a:fld>
             <a:endParaRPr kumimoji="1" lang="ja-JP" altLang="en-US"/>
           </a:p>
@@ -3667,7 +3667,7 @@
           <a:p>
             <a:fld id="{8957537A-E593-C244-8FA2-8DE7DF7C250B}" type="datetimeFigureOut">
               <a:rPr kumimoji="1" lang="ja-JP" altLang="en-US" smtClean="0"/>
-              <a:t>2024/10/8</a:t>
+              <a:t>2024/10/9</a:t>
             </a:fld>
             <a:endParaRPr kumimoji="1" lang="ja-JP" altLang="en-US"/>
           </a:p>
@@ -4279,8 +4279,8 @@
         </p:nvSpPr>
         <p:spPr>
           <a:xfrm>
-            <a:off x="1928774" y="532852"/>
-            <a:ext cx="2073894" cy="246221"/>
+            <a:off x="1475828" y="224172"/>
+            <a:ext cx="2526840" cy="554902"/>
           </a:xfrm>
           <a:prstGeom prst="rect">
             <a:avLst/>
@@ -4331,7 +4331,7 @@
         </p:nvSpPr>
         <p:spPr>
           <a:xfrm>
-            <a:off x="1884168" y="372743"/>
+            <a:off x="2018284" y="522060"/>
             <a:ext cx="514885" cy="246221"/>
           </a:xfrm>
           <a:prstGeom prst="rect">
@@ -4751,8 +4751,8 @@
         </p:nvSpPr>
         <p:spPr>
           <a:xfrm>
-            <a:off x="1863390" y="798893"/>
-            <a:ext cx="2139278" cy="447754"/>
+            <a:off x="1475828" y="798893"/>
+            <a:ext cx="2526840" cy="480866"/>
           </a:xfrm>
           <a:prstGeom prst="rect">
             <a:avLst/>
@@ -4803,7 +4803,7 @@
         </p:nvSpPr>
         <p:spPr>
           <a:xfrm>
-            <a:off x="1546942" y="915513"/>
+            <a:off x="1466229" y="838435"/>
             <a:ext cx="1041724" cy="246221"/>
           </a:xfrm>
           <a:prstGeom prst="rect">
@@ -4893,7 +4893,7 @@
         <p:spPr>
           <a:xfrm>
             <a:off x="1067794" y="1432223"/>
-            <a:ext cx="1902026" cy="400110"/>
+            <a:ext cx="1902026" cy="246221"/>
           </a:xfrm>
           <a:prstGeom prst="rect">
             <a:avLst/>
@@ -4915,17 +4915,6 @@
             <a:r>
               <a:rPr lang="en-US" altLang="ja-JP" sz="1000" dirty="0" err="1"/>
               <a:t>mainVisual</a:t>
-            </a:r>
-            <a:endParaRPr lang="en-US" altLang="ja-JP" sz="1000" dirty="0"/>
-          </a:p>
-          <a:p>
-            <a:r>
-              <a:rPr lang="en-US" altLang="ja-JP" sz="1000" dirty="0"/>
-              <a:t>Main </a:t>
-            </a:r>
-            <a:r>
-              <a:rPr lang="en-US" altLang="ja-JP" sz="1000" dirty="0" err="1"/>
-              <a:t>img</a:t>
             </a:r>
             <a:endParaRPr lang="en-US" altLang="ja-JP" sz="1000" dirty="0"/>
           </a:p>
@@ -5146,7 +5135,7 @@
         <p:spPr>
           <a:xfrm>
             <a:off x="959092" y="3409678"/>
-            <a:ext cx="718466" cy="430887"/>
+            <a:ext cx="747320" cy="430887"/>
           </a:xfrm>
           <a:prstGeom prst="rect">
             <a:avLst/>
@@ -5167,13 +5156,13 @@
           <a:lstStyle/>
           <a:p>
             <a:r>
-              <a:rPr lang="en-US" altLang="ja-JP" sz="1100" dirty="0"/>
+              <a:rPr lang="en-US" altLang="ja-JP" sz="1100" b="1" dirty="0"/>
               <a:t>Section </a:t>
             </a:r>
           </a:p>
           <a:p>
             <a:r>
-              <a:rPr lang="en-US" altLang="ja-JP" sz="1100" dirty="0"/>
+              <a:rPr lang="en-US" altLang="ja-JP" sz="1100" b="1" dirty="0"/>
               <a:t>Id about</a:t>
             </a:r>
           </a:p>
@@ -5478,43 +5467,6 @@
       </p:sp>
       <p:sp>
         <p:nvSpPr>
-          <p:cNvPr id="49" name="テキスト ボックス 48">
-            <a:extLst>
-              <a:ext uri="{FF2B5EF4-FFF2-40B4-BE49-F238E27FC236}">
-                <a16:creationId xmlns:a16="http://schemas.microsoft.com/office/drawing/2014/main" id="{3ADA0664-5C6B-C759-17A2-C12B36EF3AEA}"/>
-              </a:ext>
-            </a:extLst>
-          </p:cNvPr>
-          <p:cNvSpPr txBox="1"/>
-          <p:nvPr/>
-        </p:nvSpPr>
-        <p:spPr>
-          <a:xfrm>
-            <a:off x="1076349" y="4026780"/>
-            <a:ext cx="661326" cy="553998"/>
-          </a:xfrm>
-          <a:prstGeom prst="rect">
-            <a:avLst/>
-          </a:prstGeom>
-          <a:solidFill>
-            <a:schemeClr val="bg1"/>
-          </a:solidFill>
-        </p:spPr>
-        <p:txBody>
-          <a:bodyPr wrap="square" rtlCol="0">
-            <a:spAutoFit/>
-          </a:bodyPr>
-          <a:lstStyle/>
-          <a:p>
-            <a:r>
-              <a:rPr lang="en-US" altLang="ja-JP" sz="1000" dirty="0"/>
-              <a:t>Div class name</a:t>
-            </a:r>
-          </a:p>
-        </p:txBody>
-      </p:sp>
-      <p:sp>
-        <p:nvSpPr>
           <p:cNvPr id="50" name="四角形吹き出し 49">
             <a:extLst>
               <a:ext uri="{FF2B5EF4-FFF2-40B4-BE49-F238E27FC236}">
@@ -5680,50 +5632,6 @@
       </p:sp>
       <p:sp>
         <p:nvSpPr>
-          <p:cNvPr id="54" name="テキスト ボックス 53">
-            <a:extLst>
-              <a:ext uri="{FF2B5EF4-FFF2-40B4-BE49-F238E27FC236}">
-                <a16:creationId xmlns:a16="http://schemas.microsoft.com/office/drawing/2014/main" id="{1C062719-122F-9CE0-33C0-DCBD88B707E4}"/>
-              </a:ext>
-            </a:extLst>
-          </p:cNvPr>
-          <p:cNvSpPr txBox="1"/>
-          <p:nvPr/>
-        </p:nvSpPr>
-        <p:spPr>
-          <a:xfrm>
-            <a:off x="1035852" y="4692094"/>
-            <a:ext cx="681110" cy="553998"/>
-          </a:xfrm>
-          <a:prstGeom prst="rect">
-            <a:avLst/>
-          </a:prstGeom>
-          <a:solidFill>
-            <a:schemeClr val="bg1"/>
-          </a:solidFill>
-        </p:spPr>
-        <p:txBody>
-          <a:bodyPr wrap="square" rtlCol="0">
-            <a:spAutoFit/>
-          </a:bodyPr>
-          <a:lstStyle/>
-          <a:p>
-            <a:r>
-              <a:rPr lang="en-US" altLang="ja-JP" sz="1000" dirty="0"/>
-              <a:t>Div class</a:t>
-            </a:r>
-          </a:p>
-          <a:p>
-            <a:r>
-              <a:rPr lang="en-US" altLang="ja-JP" sz="1000" dirty="0" err="1"/>
-              <a:t>mydata</a:t>
-            </a:r>
-            <a:endParaRPr lang="en-US" altLang="ja-JP" sz="1000" dirty="0"/>
-          </a:p>
-        </p:txBody>
-      </p:sp>
-      <p:sp>
-        <p:nvSpPr>
           <p:cNvPr id="55" name="テキスト ボックス 54">
             <a:extLst>
               <a:ext uri="{FF2B5EF4-FFF2-40B4-BE49-F238E27FC236}">
@@ -5819,43 +5727,6 @@
       </p:sp>
       <p:sp>
         <p:nvSpPr>
-          <p:cNvPr id="59" name="テキスト ボックス 58">
-            <a:extLst>
-              <a:ext uri="{FF2B5EF4-FFF2-40B4-BE49-F238E27FC236}">
-                <a16:creationId xmlns:a16="http://schemas.microsoft.com/office/drawing/2014/main" id="{A22DC573-4EBD-8D12-5012-8E673DEDDE20}"/>
-              </a:ext>
-            </a:extLst>
-          </p:cNvPr>
-          <p:cNvSpPr txBox="1"/>
-          <p:nvPr/>
-        </p:nvSpPr>
-        <p:spPr>
-          <a:xfrm>
-            <a:off x="1022724" y="5612258"/>
-            <a:ext cx="683087" cy="553998"/>
-          </a:xfrm>
-          <a:prstGeom prst="rect">
-            <a:avLst/>
-          </a:prstGeom>
-          <a:solidFill>
-            <a:schemeClr val="bg1"/>
-          </a:solidFill>
-        </p:spPr>
-        <p:txBody>
-          <a:bodyPr wrap="square" rtlCol="0">
-            <a:spAutoFit/>
-          </a:bodyPr>
-          <a:lstStyle/>
-          <a:p>
-            <a:r>
-              <a:rPr lang="en-US" altLang="ja-JP" sz="1000" dirty="0"/>
-              <a:t>Div class profile</a:t>
-            </a:r>
-          </a:p>
-        </p:txBody>
-      </p:sp>
-      <p:sp>
-        <p:nvSpPr>
           <p:cNvPr id="60" name="テキスト ボックス 59">
             <a:extLst>
               <a:ext uri="{FF2B5EF4-FFF2-40B4-BE49-F238E27FC236}">
@@ -5931,7 +5802,7 @@
                   <a:srgbClr val="FF0000"/>
                 </a:solidFill>
               </a:rPr>
-              <a:t>&lt;h3&gt;</a:t>
+              <a:t>&lt;p&gt;</a:t>
             </a:r>
           </a:p>
         </p:txBody>
@@ -5994,7 +5865,7 @@
         <p:spPr>
           <a:xfrm>
             <a:off x="830898" y="136485"/>
-            <a:ext cx="3363879" cy="1144492"/>
+            <a:ext cx="3363879" cy="1194020"/>
           </a:xfrm>
           <a:prstGeom prst="rect">
             <a:avLst/>
@@ -6048,8 +5919,8 @@
         </p:nvSpPr>
         <p:spPr>
           <a:xfrm>
-            <a:off x="884758" y="301189"/>
-            <a:ext cx="661326" cy="861774"/>
+            <a:off x="708750" y="301189"/>
+            <a:ext cx="707753" cy="553998"/>
           </a:xfrm>
           <a:prstGeom prst="rect">
             <a:avLst/>
@@ -6066,7 +5937,7 @@
           <a:p>
             <a:r>
               <a:rPr lang="en-US" altLang="ja-JP" sz="1000" b="1" dirty="0"/>
-              <a:t>Div class flex</a:t>
+              <a:t>#flex</a:t>
             </a:r>
           </a:p>
           <a:p>
@@ -6362,13 +6233,13 @@
         </p:nvSpPr>
         <p:spPr>
           <a:xfrm>
-            <a:off x="4115779" y="336882"/>
-            <a:ext cx="482096" cy="246221"/>
+            <a:off x="3800304" y="465049"/>
+            <a:ext cx="984591" cy="295951"/>
           </a:xfrm>
           <a:prstGeom prst="wedgeRectCallout">
             <a:avLst>
-              <a:gd name="adj1" fmla="val -172505"/>
-              <a:gd name="adj2" fmla="val 80203"/>
+              <a:gd name="adj1" fmla="val -87106"/>
+              <a:gd name="adj2" fmla="val 34036"/>
             </a:avLst>
           </a:prstGeom>
           <a:solidFill>
@@ -6400,13 +6271,42 @@
           <a:p>
             <a:pPr algn="ctr"/>
             <a:r>
-              <a:rPr lang="en-US" altLang="ja-JP" sz="1000" dirty="0">
+              <a:rPr lang="en-US" altLang="ja-JP" sz="800" b="0" dirty="0" err="1">
                 <a:solidFill>
-                  <a:sysClr val="windowText" lastClr="000000"/>
+                  <a:srgbClr val="CE9178"/>
                 </a:solidFill>
+                <a:effectLst/>
+                <a:latin typeface="Menlo" panose="020B0609030804020204" pitchFamily="49" charset="0"/>
               </a:rPr>
-              <a:t>logo</a:t>
-            </a:r>
+              <a:t>img</a:t>
+            </a:r>
+            <a:r>
+              <a:rPr lang="en-US" altLang="ja-JP" sz="800" b="0" dirty="0">
+                <a:solidFill>
+                  <a:srgbClr val="CE9178"/>
+                </a:solidFill>
+                <a:effectLst/>
+                <a:latin typeface="Menlo" panose="020B0609030804020204" pitchFamily="49" charset="0"/>
+              </a:rPr>
+              <a:t>/</a:t>
+            </a:r>
+            <a:r>
+              <a:rPr lang="en-US" altLang="ja-JP" sz="800" b="0" dirty="0" err="1">
+                <a:solidFill>
+                  <a:srgbClr val="CE9178"/>
+                </a:solidFill>
+                <a:effectLst/>
+                <a:latin typeface="Menlo" panose="020B0609030804020204" pitchFamily="49" charset="0"/>
+              </a:rPr>
+              <a:t>logo.svg</a:t>
+            </a:r>
+            <a:endParaRPr lang="en-US" altLang="ja-JP" sz="800" b="0" dirty="0">
+              <a:solidFill>
+                <a:srgbClr val="CCCCCC"/>
+              </a:solidFill>
+              <a:effectLst/>
+              <a:latin typeface="Menlo" panose="020B0609030804020204" pitchFamily="49" charset="0"/>
+            </a:endParaRPr>
           </a:p>
         </p:txBody>
       </p:sp>
@@ -6525,7 +6425,7 @@
         <p:spPr>
           <a:xfrm>
             <a:off x="5361430" y="650315"/>
-            <a:ext cx="2767806" cy="5998410"/>
+            <a:ext cx="2600769" cy="5998410"/>
           </a:xfrm>
           <a:prstGeom prst="rect">
             <a:avLst/>
@@ -6580,7 +6480,7 @@
         <p:spPr>
           <a:xfrm>
             <a:off x="1800066" y="1973115"/>
-            <a:ext cx="683087" cy="246221"/>
+            <a:ext cx="1169754" cy="707886"/>
           </a:xfrm>
           <a:prstGeom prst="rect">
             <a:avLst/>
@@ -6596,7 +6496,7 @@
           <a:lstStyle/>
           <a:p>
             <a:r>
-              <a:rPr lang="en-US" altLang="ja-JP" sz="1000" b="1" dirty="0">
+              <a:rPr lang="en-US" altLang="ja-JP" sz="800" b="1" dirty="0">
                 <a:solidFill>
                   <a:srgbClr val="FF0000"/>
                 </a:solidFill>
@@ -6604,7 +6504,7 @@
               <a:t>&lt;</a:t>
             </a:r>
             <a:r>
-              <a:rPr lang="en-US" altLang="ja-JP" sz="1000" b="1" dirty="0" err="1">
+              <a:rPr lang="en-US" altLang="ja-JP" sz="800" b="1" dirty="0" err="1">
                 <a:solidFill>
                   <a:srgbClr val="FF0000"/>
                 </a:solidFill>
@@ -6612,12 +6512,68 @@
               <a:t>img</a:t>
             </a:r>
             <a:r>
-              <a:rPr lang="en-US" altLang="ja-JP" sz="1000" b="1" dirty="0">
+              <a:rPr lang="en-US" altLang="ja-JP" sz="800" b="1" dirty="0">
                 <a:solidFill>
                   <a:srgbClr val="FF0000"/>
                 </a:solidFill>
               </a:rPr>
               <a:t>&gt;</a:t>
+            </a:r>
+          </a:p>
+          <a:p>
+            <a:r>
+              <a:rPr lang="en-US" altLang="ja-JP" sz="800" b="1" dirty="0" err="1">
+                <a:solidFill>
+                  <a:srgbClr val="FF0000"/>
+                </a:solidFill>
+              </a:rPr>
+              <a:t>mainvisual-pc.jpg</a:t>
+            </a:r>
+            <a:endParaRPr lang="en-US" altLang="ja-JP" sz="800" b="1" dirty="0">
+              <a:solidFill>
+                <a:srgbClr val="FF0000"/>
+              </a:solidFill>
+            </a:endParaRPr>
+          </a:p>
+          <a:p>
+            <a:r>
+              <a:rPr lang="en-US" altLang="ja-JP" sz="800" b="1" dirty="0" err="1">
+                <a:solidFill>
+                  <a:srgbClr val="FF0000"/>
+                </a:solidFill>
+              </a:rPr>
+              <a:t>mainvisual-sp.jpg</a:t>
+            </a:r>
+            <a:endParaRPr lang="en-US" altLang="ja-JP" sz="800" b="1" dirty="0">
+              <a:solidFill>
+                <a:srgbClr val="FF0000"/>
+              </a:solidFill>
+            </a:endParaRPr>
+          </a:p>
+          <a:p>
+            <a:r>
+              <a:rPr lang="en-US" altLang="ja-JP" sz="800" b="1" dirty="0">
+                <a:solidFill>
+                  <a:srgbClr val="FF0000"/>
+                </a:solidFill>
+              </a:rPr>
+              <a:t>@media</a:t>
+            </a:r>
+            <a:r>
+              <a:rPr lang="ja-JP" altLang="en-US" sz="800" b="1">
+                <a:solidFill>
+                  <a:srgbClr val="FF0000"/>
+                </a:solidFill>
+              </a:rPr>
+              <a:t>　</a:t>
+            </a:r>
+            <a:r>
+              <a:rPr lang="en-US" altLang="ja-JP" sz="800" b="1" dirty="0">
+                <a:solidFill>
+                  <a:srgbClr val="FF0000"/>
+                </a:solidFill>
+              </a:rPr>
+              <a:t>screen display: none</a:t>
             </a:r>
           </a:p>
         </p:txBody>
@@ -6879,8 +6835,8 @@
         </p:nvSpPr>
         <p:spPr>
           <a:xfrm>
-            <a:off x="6521427" y="1136751"/>
-            <a:ext cx="683087" cy="246221"/>
+            <a:off x="6289547" y="1207947"/>
+            <a:ext cx="914967" cy="246221"/>
           </a:xfrm>
           <a:prstGeom prst="rect">
             <a:avLst/>
@@ -6901,7 +6857,7 @@
                   <a:srgbClr val="FF0000"/>
                 </a:solidFill>
               </a:rPr>
-              <a:t>&lt;</a:t>
+              <a:t>&lt;li&gt;&lt;</a:t>
             </a:r>
             <a:r>
               <a:rPr lang="en-US" altLang="ja-JP" sz="1000" b="1" dirty="0" err="1">
@@ -7030,8 +6986,8 @@
         </p:nvSpPr>
         <p:spPr>
           <a:xfrm>
-            <a:off x="6532579" y="1973092"/>
-            <a:ext cx="683087" cy="246221"/>
+            <a:off x="5407485" y="2205606"/>
+            <a:ext cx="926119" cy="246221"/>
           </a:xfrm>
           <a:prstGeom prst="rect">
             <a:avLst/>
@@ -7052,7 +7008,7 @@
                   <a:srgbClr val="FF0000"/>
                 </a:solidFill>
               </a:rPr>
-              <a:t>&lt;</a:t>
+              <a:t>&lt;li&gt;&lt;</a:t>
             </a:r>
             <a:r>
               <a:rPr lang="en-US" altLang="ja-JP" sz="1000" b="1" dirty="0" err="1">
@@ -7088,7 +7044,7 @@
         <p:spPr>
           <a:xfrm>
             <a:off x="5456664" y="1517874"/>
-            <a:ext cx="1890100" cy="808419"/>
+            <a:ext cx="1890100" cy="958126"/>
           </a:xfrm>
           <a:prstGeom prst="rect">
             <a:avLst/>
@@ -7169,63 +7125,6 @@
       </p:sp>
       <p:sp>
         <p:nvSpPr>
-          <p:cNvPr id="88" name="テキスト ボックス 87">
-            <a:extLst>
-              <a:ext uri="{FF2B5EF4-FFF2-40B4-BE49-F238E27FC236}">
-                <a16:creationId xmlns:a16="http://schemas.microsoft.com/office/drawing/2014/main" id="{ACC984F4-FF58-7607-AB77-5B6BE469E3F7}"/>
-              </a:ext>
-            </a:extLst>
-          </p:cNvPr>
-          <p:cNvSpPr txBox="1"/>
-          <p:nvPr/>
-        </p:nvSpPr>
-        <p:spPr>
-          <a:xfrm>
-            <a:off x="6700845" y="2742702"/>
-            <a:ext cx="683087" cy="246221"/>
-          </a:xfrm>
-          <a:prstGeom prst="rect">
-            <a:avLst/>
-          </a:prstGeom>
-          <a:solidFill>
-            <a:schemeClr val="bg1"/>
-          </a:solidFill>
-        </p:spPr>
-        <p:txBody>
-          <a:bodyPr wrap="square" rtlCol="0">
-            <a:spAutoFit/>
-          </a:bodyPr>
-          <a:lstStyle/>
-          <a:p>
-            <a:r>
-              <a:rPr lang="en-US" altLang="ja-JP" sz="1000" b="1" dirty="0">
-                <a:solidFill>
-                  <a:srgbClr val="FF0000"/>
-                </a:solidFill>
-              </a:rPr>
-              <a:t>&lt;</a:t>
-            </a:r>
-            <a:r>
-              <a:rPr lang="en-US" altLang="ja-JP" sz="1000" b="1" dirty="0" err="1">
-                <a:solidFill>
-                  <a:srgbClr val="FF0000"/>
-                </a:solidFill>
-              </a:rPr>
-              <a:t>img</a:t>
-            </a:r>
-            <a:r>
-              <a:rPr lang="en-US" altLang="ja-JP" sz="1000" b="1" dirty="0">
-                <a:solidFill>
-                  <a:srgbClr val="FF0000"/>
-                </a:solidFill>
-              </a:rPr>
-              <a:t>&gt;</a:t>
-            </a:r>
-          </a:p>
-        </p:txBody>
-      </p:sp>
-      <p:sp>
-        <p:nvSpPr>
           <p:cNvPr id="89" name="正方形/長方形 88">
             <a:extLst>
               <a:ext uri="{FF2B5EF4-FFF2-40B4-BE49-F238E27FC236}">
@@ -7320,63 +7219,6 @@
       </p:sp>
       <p:sp>
         <p:nvSpPr>
-          <p:cNvPr id="91" name="テキスト ボックス 90">
-            <a:extLst>
-              <a:ext uri="{FF2B5EF4-FFF2-40B4-BE49-F238E27FC236}">
-                <a16:creationId xmlns:a16="http://schemas.microsoft.com/office/drawing/2014/main" id="{38D32F7E-CB8A-D678-D802-188F56326C8A}"/>
-              </a:ext>
-            </a:extLst>
-          </p:cNvPr>
-          <p:cNvSpPr txBox="1"/>
-          <p:nvPr/>
-        </p:nvSpPr>
-        <p:spPr>
-          <a:xfrm>
-            <a:off x="6521428" y="3924556"/>
-            <a:ext cx="683087" cy="246221"/>
-          </a:xfrm>
-          <a:prstGeom prst="rect">
-            <a:avLst/>
-          </a:prstGeom>
-          <a:solidFill>
-            <a:schemeClr val="bg1"/>
-          </a:solidFill>
-        </p:spPr>
-        <p:txBody>
-          <a:bodyPr wrap="square" rtlCol="0">
-            <a:spAutoFit/>
-          </a:bodyPr>
-          <a:lstStyle/>
-          <a:p>
-            <a:r>
-              <a:rPr lang="en-US" altLang="ja-JP" sz="1000" b="1" dirty="0">
-                <a:solidFill>
-                  <a:srgbClr val="FF0000"/>
-                </a:solidFill>
-              </a:rPr>
-              <a:t>&lt;</a:t>
-            </a:r>
-            <a:r>
-              <a:rPr lang="en-US" altLang="ja-JP" sz="1000" b="1" dirty="0" err="1">
-                <a:solidFill>
-                  <a:srgbClr val="FF0000"/>
-                </a:solidFill>
-              </a:rPr>
-              <a:t>img</a:t>
-            </a:r>
-            <a:r>
-              <a:rPr lang="en-US" altLang="ja-JP" sz="1000" b="1" dirty="0">
-                <a:solidFill>
-                  <a:srgbClr val="FF0000"/>
-                </a:solidFill>
-              </a:rPr>
-              <a:t>&gt;</a:t>
-            </a:r>
-          </a:p>
-        </p:txBody>
-      </p:sp>
-      <p:sp>
-        <p:nvSpPr>
           <p:cNvPr id="92" name="正方形/長方形 91">
             <a:extLst>
               <a:ext uri="{FF2B5EF4-FFF2-40B4-BE49-F238E27FC236}">
@@ -7471,63 +7313,6 @@
       </p:sp>
       <p:sp>
         <p:nvSpPr>
-          <p:cNvPr id="94" name="テキスト ボックス 93">
-            <a:extLst>
-              <a:ext uri="{FF2B5EF4-FFF2-40B4-BE49-F238E27FC236}">
-                <a16:creationId xmlns:a16="http://schemas.microsoft.com/office/drawing/2014/main" id="{71C9DBF3-CBBA-0228-D8BA-91C3D6AC16DC}"/>
-              </a:ext>
-            </a:extLst>
-          </p:cNvPr>
-          <p:cNvSpPr txBox="1"/>
-          <p:nvPr/>
-        </p:nvSpPr>
-        <p:spPr>
-          <a:xfrm>
-            <a:off x="6554882" y="5039678"/>
-            <a:ext cx="683087" cy="246221"/>
-          </a:xfrm>
-          <a:prstGeom prst="rect">
-            <a:avLst/>
-          </a:prstGeom>
-          <a:solidFill>
-            <a:schemeClr val="bg1"/>
-          </a:solidFill>
-        </p:spPr>
-        <p:txBody>
-          <a:bodyPr wrap="square" rtlCol="0">
-            <a:spAutoFit/>
-          </a:bodyPr>
-          <a:lstStyle/>
-          <a:p>
-            <a:r>
-              <a:rPr lang="en-US" altLang="ja-JP" sz="1000" b="1" dirty="0">
-                <a:solidFill>
-                  <a:srgbClr val="FF0000"/>
-                </a:solidFill>
-              </a:rPr>
-              <a:t>&lt;</a:t>
-            </a:r>
-            <a:r>
-              <a:rPr lang="en-US" altLang="ja-JP" sz="1000" b="1" dirty="0" err="1">
-                <a:solidFill>
-                  <a:srgbClr val="FF0000"/>
-                </a:solidFill>
-              </a:rPr>
-              <a:t>img</a:t>
-            </a:r>
-            <a:r>
-              <a:rPr lang="en-US" altLang="ja-JP" sz="1000" b="1" dirty="0">
-                <a:solidFill>
-                  <a:srgbClr val="FF0000"/>
-                </a:solidFill>
-              </a:rPr>
-              <a:t>&gt;</a:t>
-            </a:r>
-          </a:p>
-        </p:txBody>
-      </p:sp>
-      <p:sp>
-        <p:nvSpPr>
           <p:cNvPr id="95" name="正方形/長方形 94">
             <a:extLst>
               <a:ext uri="{FF2B5EF4-FFF2-40B4-BE49-F238E27FC236}">
@@ -7541,7 +7326,7 @@
         <p:spPr>
           <a:xfrm>
             <a:off x="5478967" y="4584460"/>
-            <a:ext cx="1890100" cy="808419"/>
+            <a:ext cx="1890100" cy="961427"/>
           </a:xfrm>
           <a:prstGeom prst="rect">
             <a:avLst/>
@@ -7622,63 +7407,6 @@
       </p:sp>
       <p:sp>
         <p:nvSpPr>
-          <p:cNvPr id="97" name="テキスト ボックス 96">
-            <a:extLst>
-              <a:ext uri="{FF2B5EF4-FFF2-40B4-BE49-F238E27FC236}">
-                <a16:creationId xmlns:a16="http://schemas.microsoft.com/office/drawing/2014/main" id="{EC530A8F-0872-6843-7DD1-BC2A14186976}"/>
-              </a:ext>
-            </a:extLst>
-          </p:cNvPr>
-          <p:cNvSpPr txBox="1"/>
-          <p:nvPr/>
-        </p:nvSpPr>
-        <p:spPr>
-          <a:xfrm>
-            <a:off x="6543731" y="6121347"/>
-            <a:ext cx="683087" cy="246221"/>
-          </a:xfrm>
-          <a:prstGeom prst="rect">
-            <a:avLst/>
-          </a:prstGeom>
-          <a:solidFill>
-            <a:schemeClr val="bg1"/>
-          </a:solidFill>
-        </p:spPr>
-        <p:txBody>
-          <a:bodyPr wrap="square" rtlCol="0">
-            <a:spAutoFit/>
-          </a:bodyPr>
-          <a:lstStyle/>
-          <a:p>
-            <a:r>
-              <a:rPr lang="en-US" altLang="ja-JP" sz="1000" b="1" dirty="0">
-                <a:solidFill>
-                  <a:srgbClr val="FF0000"/>
-                </a:solidFill>
-              </a:rPr>
-              <a:t>&lt;</a:t>
-            </a:r>
-            <a:r>
-              <a:rPr lang="en-US" altLang="ja-JP" sz="1000" b="1" dirty="0" err="1">
-                <a:solidFill>
-                  <a:srgbClr val="FF0000"/>
-                </a:solidFill>
-              </a:rPr>
-              <a:t>img</a:t>
-            </a:r>
-            <a:r>
-              <a:rPr lang="en-US" altLang="ja-JP" sz="1000" b="1" dirty="0">
-                <a:solidFill>
-                  <a:srgbClr val="FF0000"/>
-                </a:solidFill>
-              </a:rPr>
-              <a:t>&gt;</a:t>
-            </a:r>
-          </a:p>
-        </p:txBody>
-      </p:sp>
-      <p:sp>
-        <p:nvSpPr>
           <p:cNvPr id="98" name="正方形/長方形 97">
             <a:extLst>
               <a:ext uri="{FF2B5EF4-FFF2-40B4-BE49-F238E27FC236}">
@@ -7692,7 +7420,7 @@
         <p:spPr>
           <a:xfrm>
             <a:off x="5467816" y="5666129"/>
-            <a:ext cx="1890100" cy="808419"/>
+            <a:ext cx="1890100" cy="869254"/>
           </a:xfrm>
           <a:prstGeom prst="rect">
             <a:avLst/>
@@ -7785,7 +7513,7 @@
         </p:nvSpPr>
         <p:spPr>
           <a:xfrm>
-            <a:off x="7404678" y="1915845"/>
+            <a:off x="7515894" y="1845259"/>
             <a:ext cx="661326" cy="1169551"/>
           </a:xfrm>
           <a:prstGeom prst="rect">
@@ -7802,12 +7530,28 @@
           <a:lstStyle/>
           <a:p>
             <a:r>
+              <a:rPr lang="en-US" altLang="ja-JP" sz="1000" b="1" dirty="0" err="1"/>
+              <a:t>Ul</a:t>
+            </a:r>
+            <a:endParaRPr lang="en-US" altLang="ja-JP" sz="1000" b="1" dirty="0"/>
+          </a:p>
+          <a:p>
+            <a:r>
               <a:rPr lang="en-US" altLang="ja-JP" sz="1000" b="1" dirty="0"/>
-              <a:t>Div class flex</a:t>
-            </a:r>
-          </a:p>
-          <a:p>
-            <a:endParaRPr lang="en-US" altLang="ja-JP" sz="1000" b="1" dirty="0"/>
+              <a:t> flex</a:t>
+            </a:r>
+          </a:p>
+          <a:p>
+            <a:r>
+              <a:rPr lang="en-US" altLang="ja-JP" sz="1000" b="1" dirty="0"/>
+              <a:t>wrap</a:t>
+            </a:r>
+          </a:p>
+          <a:p>
+            <a:r>
+              <a:rPr lang="en-US" altLang="ja-JP" sz="1000" b="1" dirty="0"/>
+              <a:t>class</a:t>
+            </a:r>
           </a:p>
           <a:p>
             <a:r>
@@ -8015,7 +7759,7 @@
         <p:spPr>
           <a:xfrm>
             <a:off x="8743599" y="55756"/>
-            <a:ext cx="1210588" cy="261610"/>
+            <a:ext cx="1273105" cy="261610"/>
           </a:xfrm>
           <a:prstGeom prst="rect">
             <a:avLst/>
@@ -8036,7 +7780,7 @@
           <a:lstStyle/>
           <a:p>
             <a:r>
-              <a:rPr lang="en-US" altLang="ja-JP" sz="1100" dirty="0"/>
+              <a:rPr lang="en-US" altLang="ja-JP" sz="1100" b="1" dirty="0"/>
               <a:t>Section id news</a:t>
             </a:r>
           </a:p>
@@ -8523,7 +8267,7 @@
         <p:spPr>
           <a:xfrm>
             <a:off x="8793014" y="3586746"/>
-            <a:ext cx="825867" cy="430887"/>
+            <a:ext cx="865943" cy="430887"/>
           </a:xfrm>
           <a:prstGeom prst="rect">
             <a:avLst/>
@@ -8544,13 +8288,13 @@
           <a:lstStyle/>
           <a:p>
             <a:r>
-              <a:rPr lang="en-US" altLang="ja-JP" sz="1100" dirty="0"/>
+              <a:rPr lang="en-US" altLang="ja-JP" sz="1100" b="1" dirty="0"/>
               <a:t>Section</a:t>
             </a:r>
           </a:p>
           <a:p>
             <a:r>
-              <a:rPr lang="en-US" altLang="ja-JP" sz="1100" dirty="0"/>
+              <a:rPr lang="en-US" altLang="ja-JP" sz="1100" b="1" dirty="0"/>
               <a:t>id contact</a:t>
             </a:r>
           </a:p>
@@ -9160,6 +8904,580 @@
                 <a:sysClr val="windowText" lastClr="000000"/>
               </a:solidFill>
             </a:endParaRPr>
+          </a:p>
+        </p:txBody>
+      </p:sp>
+      <p:sp>
+        <p:nvSpPr>
+          <p:cNvPr id="4" name="テキスト ボックス 3">
+            <a:extLst>
+              <a:ext uri="{FF2B5EF4-FFF2-40B4-BE49-F238E27FC236}">
+                <a16:creationId xmlns:a16="http://schemas.microsoft.com/office/drawing/2014/main" id="{640461B2-F06B-F7E8-DCFA-C75EB36B4ED4}"/>
+              </a:ext>
+            </a:extLst>
+          </p:cNvPr>
+          <p:cNvSpPr txBox="1"/>
+          <p:nvPr/>
+        </p:nvSpPr>
+        <p:spPr>
+          <a:xfrm>
+            <a:off x="1559104" y="286941"/>
+            <a:ext cx="1041724" cy="246221"/>
+          </a:xfrm>
+          <a:prstGeom prst="rect">
+            <a:avLst/>
+          </a:prstGeom>
+          <a:solidFill>
+            <a:schemeClr val="bg1"/>
+          </a:solidFill>
+        </p:spPr>
+        <p:txBody>
+          <a:bodyPr wrap="square" rtlCol="0">
+            <a:spAutoFit/>
+          </a:bodyPr>
+          <a:lstStyle/>
+          <a:p>
+            <a:r>
+              <a:rPr lang="en-US" altLang="ja-JP" sz="1000" dirty="0"/>
+              <a:t>class logo flex</a:t>
+            </a:r>
+          </a:p>
+        </p:txBody>
+      </p:sp>
+      <p:sp>
+        <p:nvSpPr>
+          <p:cNvPr id="5" name="テキスト ボックス 4">
+            <a:extLst>
+              <a:ext uri="{FF2B5EF4-FFF2-40B4-BE49-F238E27FC236}">
+                <a16:creationId xmlns:a16="http://schemas.microsoft.com/office/drawing/2014/main" id="{D1FE40E3-5F33-6765-FF56-88B3D1AE2162}"/>
+              </a:ext>
+            </a:extLst>
+          </p:cNvPr>
+          <p:cNvSpPr txBox="1"/>
+          <p:nvPr/>
+        </p:nvSpPr>
+        <p:spPr>
+          <a:xfrm>
+            <a:off x="1407879" y="946711"/>
+            <a:ext cx="1575885" cy="461665"/>
+          </a:xfrm>
+          <a:prstGeom prst="rect">
+            <a:avLst/>
+          </a:prstGeom>
+          <a:noFill/>
+        </p:spPr>
+        <p:txBody>
+          <a:bodyPr wrap="square" rtlCol="0">
+            <a:spAutoFit/>
+          </a:bodyPr>
+          <a:lstStyle/>
+          <a:p>
+            <a:r>
+              <a:rPr lang="en-US" altLang="ja-JP" sz="800" b="0" dirty="0">
+                <a:solidFill>
+                  <a:srgbClr val="FF0000"/>
+                </a:solidFill>
+                <a:effectLst/>
+                <a:latin typeface="Menlo" panose="020B0609030804020204" pitchFamily="49" charset="0"/>
+              </a:rPr>
+              <a:t>#</a:t>
+            </a:r>
+            <a:r>
+              <a:rPr lang="en-US" altLang="ja-JP" sz="800" b="0" dirty="0" err="1">
+                <a:solidFill>
+                  <a:srgbClr val="FF0000"/>
+                </a:solidFill>
+                <a:effectLst/>
+                <a:latin typeface="Menlo" panose="020B0609030804020204" pitchFamily="49" charset="0"/>
+              </a:rPr>
+              <a:t>flex_header</a:t>
+            </a:r>
+            <a:r>
+              <a:rPr lang="en-US" altLang="ja-JP" sz="800" b="0" dirty="0">
+                <a:solidFill>
+                  <a:srgbClr val="FF0000"/>
+                </a:solidFill>
+                <a:effectLst/>
+                <a:latin typeface="Menlo" panose="020B0609030804020204" pitchFamily="49" charset="0"/>
+              </a:rPr>
+              <a:t> </a:t>
+            </a:r>
+            <a:r>
+              <a:rPr lang="en-US" altLang="ja-JP" sz="800" b="0" dirty="0" err="1">
+                <a:solidFill>
+                  <a:srgbClr val="FF0000"/>
+                </a:solidFill>
+                <a:effectLst/>
+                <a:latin typeface="Menlo" panose="020B0609030804020204" pitchFamily="49" charset="0"/>
+              </a:rPr>
+              <a:t>ul</a:t>
+            </a:r>
+            <a:r>
+              <a:rPr lang="en-US" altLang="ja-JP" sz="800" b="0" dirty="0">
+                <a:solidFill>
+                  <a:srgbClr val="FF0000"/>
+                </a:solidFill>
+                <a:effectLst/>
+                <a:latin typeface="Menlo" panose="020B0609030804020204" pitchFamily="49" charset="0"/>
+              </a:rPr>
+              <a:t> li {</a:t>
+            </a:r>
+          </a:p>
+          <a:p>
+            <a:r>
+              <a:rPr lang="en-US" altLang="ja-JP" sz="800" b="0" dirty="0">
+                <a:solidFill>
+                  <a:srgbClr val="FF0000"/>
+                </a:solidFill>
+                <a:effectLst/>
+                <a:latin typeface="Menlo" panose="020B0609030804020204" pitchFamily="49" charset="0"/>
+              </a:rPr>
+              <a:t>display: inline-block;</a:t>
+            </a:r>
+          </a:p>
+          <a:p>
+            <a:r>
+              <a:rPr lang="en-US" altLang="ja-JP" sz="800" b="0" dirty="0">
+                <a:solidFill>
+                  <a:srgbClr val="FF0000"/>
+                </a:solidFill>
+                <a:effectLst/>
+                <a:latin typeface="Menlo" panose="020B0609030804020204" pitchFamily="49" charset="0"/>
+              </a:rPr>
+              <a:t>}</a:t>
+            </a:r>
+          </a:p>
+        </p:txBody>
+      </p:sp>
+      <p:sp>
+        <p:nvSpPr>
+          <p:cNvPr id="8" name="テキスト ボックス 7">
+            <a:extLst>
+              <a:ext uri="{FF2B5EF4-FFF2-40B4-BE49-F238E27FC236}">
+                <a16:creationId xmlns:a16="http://schemas.microsoft.com/office/drawing/2014/main" id="{53BB511D-80C6-0184-5753-8576DA6B16EA}"/>
+              </a:ext>
+            </a:extLst>
+          </p:cNvPr>
+          <p:cNvSpPr txBox="1"/>
+          <p:nvPr/>
+        </p:nvSpPr>
+        <p:spPr>
+          <a:xfrm>
+            <a:off x="9228885" y="6426248"/>
+            <a:ext cx="683087" cy="246221"/>
+          </a:xfrm>
+          <a:prstGeom prst="rect">
+            <a:avLst/>
+          </a:prstGeom>
+          <a:solidFill>
+            <a:schemeClr val="bg1"/>
+          </a:solidFill>
+        </p:spPr>
+        <p:txBody>
+          <a:bodyPr wrap="square" rtlCol="0">
+            <a:spAutoFit/>
+          </a:bodyPr>
+          <a:lstStyle/>
+          <a:p>
+            <a:r>
+              <a:rPr lang="en-US" altLang="ja-JP" sz="1000" b="1" dirty="0">
+                <a:solidFill>
+                  <a:srgbClr val="FF0000"/>
+                </a:solidFill>
+              </a:rPr>
+              <a:t>&lt;p&gt;</a:t>
+            </a:r>
+          </a:p>
+        </p:txBody>
+      </p:sp>
+      <p:sp>
+        <p:nvSpPr>
+          <p:cNvPr id="12" name="四角形吹き出し 11">
+            <a:extLst>
+              <a:ext uri="{FF2B5EF4-FFF2-40B4-BE49-F238E27FC236}">
+                <a16:creationId xmlns:a16="http://schemas.microsoft.com/office/drawing/2014/main" id="{603FEAB8-E446-DF0C-841B-082A3376C10A}"/>
+              </a:ext>
+            </a:extLst>
+          </p:cNvPr>
+          <p:cNvSpPr/>
+          <p:nvPr/>
+        </p:nvSpPr>
+        <p:spPr>
+          <a:xfrm>
+            <a:off x="11381458" y="6474732"/>
+            <a:ext cx="711960" cy="189191"/>
+          </a:xfrm>
+          <a:prstGeom prst="wedgeRectCallout">
+            <a:avLst>
+              <a:gd name="adj1" fmla="val -61007"/>
+              <a:gd name="adj2" fmla="val 59698"/>
+            </a:avLst>
+          </a:prstGeom>
+          <a:solidFill>
+            <a:schemeClr val="accent3">
+              <a:lumMod val="20000"/>
+              <a:lumOff val="80000"/>
+            </a:schemeClr>
+          </a:solidFill>
+        </p:spPr>
+        <p:style>
+          <a:lnRef idx="2">
+            <a:schemeClr val="accent1">
+              <a:shade val="15000"/>
+            </a:schemeClr>
+          </a:lnRef>
+          <a:fillRef idx="1">
+            <a:schemeClr val="accent1"/>
+          </a:fillRef>
+          <a:effectRef idx="0">
+            <a:schemeClr val="accent1"/>
+          </a:effectRef>
+          <a:fontRef idx="minor">
+            <a:schemeClr val="lt1"/>
+          </a:fontRef>
+        </p:style>
+        <p:txBody>
+          <a:bodyPr rtlCol="0" anchor="ctr"/>
+          <a:lstStyle/>
+          <a:p>
+            <a:pPr algn="ctr"/>
+            <a:r>
+              <a:rPr lang="ja-JP" altLang="en-US" sz="1000">
+                <a:solidFill>
+                  <a:sysClr val="windowText" lastClr="000000"/>
+                </a:solidFill>
+              </a:rPr>
+              <a:t>センター</a:t>
+            </a:r>
+            <a:endParaRPr lang="en-US" altLang="ja-JP" sz="1000" dirty="0">
+              <a:solidFill>
+                <a:sysClr val="windowText" lastClr="000000"/>
+              </a:solidFill>
+            </a:endParaRPr>
+          </a:p>
+        </p:txBody>
+      </p:sp>
+      <p:sp>
+        <p:nvSpPr>
+          <p:cNvPr id="13" name="テキスト ボックス 12">
+            <a:extLst>
+              <a:ext uri="{FF2B5EF4-FFF2-40B4-BE49-F238E27FC236}">
+                <a16:creationId xmlns:a16="http://schemas.microsoft.com/office/drawing/2014/main" id="{CC571BE0-315C-6773-52FB-58E449EA1C29}"/>
+              </a:ext>
+            </a:extLst>
+          </p:cNvPr>
+          <p:cNvSpPr txBox="1"/>
+          <p:nvPr/>
+        </p:nvSpPr>
+        <p:spPr>
+          <a:xfrm>
+            <a:off x="7303496" y="742591"/>
+            <a:ext cx="683087" cy="246221"/>
+          </a:xfrm>
+          <a:prstGeom prst="rect">
+            <a:avLst/>
+          </a:prstGeom>
+          <a:solidFill>
+            <a:schemeClr val="bg1"/>
+          </a:solidFill>
+        </p:spPr>
+        <p:txBody>
+          <a:bodyPr wrap="square" rtlCol="0">
+            <a:spAutoFit/>
+          </a:bodyPr>
+          <a:lstStyle/>
+          <a:p>
+            <a:r>
+              <a:rPr lang="en-US" altLang="ja-JP" sz="1000" b="1" dirty="0">
+                <a:solidFill>
+                  <a:srgbClr val="FF0000"/>
+                </a:solidFill>
+              </a:rPr>
+              <a:t>&lt;</a:t>
+            </a:r>
+            <a:r>
+              <a:rPr lang="en-US" altLang="ja-JP" sz="1000" b="1" dirty="0" err="1">
+                <a:solidFill>
+                  <a:srgbClr val="FF0000"/>
+                </a:solidFill>
+              </a:rPr>
+              <a:t>ul</a:t>
+            </a:r>
+            <a:r>
+              <a:rPr lang="en-US" altLang="ja-JP" sz="1000" b="1" dirty="0">
+                <a:solidFill>
+                  <a:srgbClr val="FF0000"/>
+                </a:solidFill>
+              </a:rPr>
+              <a:t>&gt;</a:t>
+            </a:r>
+          </a:p>
+        </p:txBody>
+      </p:sp>
+      <p:sp>
+        <p:nvSpPr>
+          <p:cNvPr id="14" name="テキスト ボックス 13">
+            <a:extLst>
+              <a:ext uri="{FF2B5EF4-FFF2-40B4-BE49-F238E27FC236}">
+                <a16:creationId xmlns:a16="http://schemas.microsoft.com/office/drawing/2014/main" id="{0E976E05-0498-A459-A291-219F13D88DA5}"/>
+              </a:ext>
+            </a:extLst>
+          </p:cNvPr>
+          <p:cNvSpPr txBox="1"/>
+          <p:nvPr/>
+        </p:nvSpPr>
+        <p:spPr>
+          <a:xfrm>
+            <a:off x="5509085" y="2581526"/>
+            <a:ext cx="926119" cy="246221"/>
+          </a:xfrm>
+          <a:prstGeom prst="rect">
+            <a:avLst/>
+          </a:prstGeom>
+          <a:solidFill>
+            <a:schemeClr val="bg1"/>
+          </a:solidFill>
+        </p:spPr>
+        <p:txBody>
+          <a:bodyPr wrap="square" rtlCol="0">
+            <a:spAutoFit/>
+          </a:bodyPr>
+          <a:lstStyle/>
+          <a:p>
+            <a:r>
+              <a:rPr lang="en-US" altLang="ja-JP" sz="1000" b="1" dirty="0">
+                <a:solidFill>
+                  <a:srgbClr val="FF0000"/>
+                </a:solidFill>
+              </a:rPr>
+              <a:t>&lt;li&gt;&lt;</a:t>
+            </a:r>
+            <a:r>
+              <a:rPr lang="en-US" altLang="ja-JP" sz="1000" b="1" dirty="0" err="1">
+                <a:solidFill>
+                  <a:srgbClr val="FF0000"/>
+                </a:solidFill>
+              </a:rPr>
+              <a:t>img</a:t>
+            </a:r>
+            <a:r>
+              <a:rPr lang="en-US" altLang="ja-JP" sz="1000" b="1" dirty="0">
+                <a:solidFill>
+                  <a:srgbClr val="FF0000"/>
+                </a:solidFill>
+              </a:rPr>
+              <a:t>&gt;</a:t>
+            </a:r>
+          </a:p>
+        </p:txBody>
+      </p:sp>
+      <p:sp>
+        <p:nvSpPr>
+          <p:cNvPr id="15" name="テキスト ボックス 14">
+            <a:extLst>
+              <a:ext uri="{FF2B5EF4-FFF2-40B4-BE49-F238E27FC236}">
+                <a16:creationId xmlns:a16="http://schemas.microsoft.com/office/drawing/2014/main" id="{C83FDABB-71B8-EDF1-FC47-B77D552F0043}"/>
+              </a:ext>
+            </a:extLst>
+          </p:cNvPr>
+          <p:cNvSpPr txBox="1"/>
+          <p:nvPr/>
+        </p:nvSpPr>
+        <p:spPr>
+          <a:xfrm>
+            <a:off x="5397325" y="4014086"/>
+            <a:ext cx="926119" cy="246221"/>
+          </a:xfrm>
+          <a:prstGeom prst="rect">
+            <a:avLst/>
+          </a:prstGeom>
+          <a:solidFill>
+            <a:schemeClr val="bg1"/>
+          </a:solidFill>
+        </p:spPr>
+        <p:txBody>
+          <a:bodyPr wrap="square" rtlCol="0">
+            <a:spAutoFit/>
+          </a:bodyPr>
+          <a:lstStyle/>
+          <a:p>
+            <a:r>
+              <a:rPr lang="en-US" altLang="ja-JP" sz="1000" b="1" dirty="0">
+                <a:solidFill>
+                  <a:srgbClr val="FF0000"/>
+                </a:solidFill>
+              </a:rPr>
+              <a:t>&lt;li&gt;&lt;</a:t>
+            </a:r>
+            <a:r>
+              <a:rPr lang="en-US" altLang="ja-JP" sz="1000" b="1" dirty="0" err="1">
+                <a:solidFill>
+                  <a:srgbClr val="FF0000"/>
+                </a:solidFill>
+              </a:rPr>
+              <a:t>img</a:t>
+            </a:r>
+            <a:r>
+              <a:rPr lang="en-US" altLang="ja-JP" sz="1000" b="1" dirty="0">
+                <a:solidFill>
+                  <a:srgbClr val="FF0000"/>
+                </a:solidFill>
+              </a:rPr>
+              <a:t>&gt;</a:t>
+            </a:r>
+          </a:p>
+        </p:txBody>
+      </p:sp>
+      <p:sp>
+        <p:nvSpPr>
+          <p:cNvPr id="16" name="テキスト ボックス 15">
+            <a:extLst>
+              <a:ext uri="{FF2B5EF4-FFF2-40B4-BE49-F238E27FC236}">
+                <a16:creationId xmlns:a16="http://schemas.microsoft.com/office/drawing/2014/main" id="{AE7FADF7-C12F-7AE8-BC72-8804DC840088}"/>
+              </a:ext>
+            </a:extLst>
+          </p:cNvPr>
+          <p:cNvSpPr txBox="1"/>
+          <p:nvPr/>
+        </p:nvSpPr>
+        <p:spPr>
+          <a:xfrm>
+            <a:off x="6372685" y="5223126"/>
+            <a:ext cx="926119" cy="246221"/>
+          </a:xfrm>
+          <a:prstGeom prst="rect">
+            <a:avLst/>
+          </a:prstGeom>
+          <a:solidFill>
+            <a:schemeClr val="bg1"/>
+          </a:solidFill>
+        </p:spPr>
+        <p:txBody>
+          <a:bodyPr wrap="square" rtlCol="0">
+            <a:spAutoFit/>
+          </a:bodyPr>
+          <a:lstStyle/>
+          <a:p>
+            <a:r>
+              <a:rPr lang="en-US" altLang="ja-JP" sz="1000" b="1" dirty="0">
+                <a:solidFill>
+                  <a:srgbClr val="FF0000"/>
+                </a:solidFill>
+              </a:rPr>
+              <a:t>&lt;li&gt;&lt;</a:t>
+            </a:r>
+            <a:r>
+              <a:rPr lang="en-US" altLang="ja-JP" sz="1000" b="1" dirty="0" err="1">
+                <a:solidFill>
+                  <a:srgbClr val="FF0000"/>
+                </a:solidFill>
+              </a:rPr>
+              <a:t>img</a:t>
+            </a:r>
+            <a:r>
+              <a:rPr lang="en-US" altLang="ja-JP" sz="1000" b="1" dirty="0">
+                <a:solidFill>
+                  <a:srgbClr val="FF0000"/>
+                </a:solidFill>
+              </a:rPr>
+              <a:t>&gt;</a:t>
+            </a:r>
+          </a:p>
+        </p:txBody>
+      </p:sp>
+      <p:sp>
+        <p:nvSpPr>
+          <p:cNvPr id="17" name="テキスト ボックス 16">
+            <a:extLst>
+              <a:ext uri="{FF2B5EF4-FFF2-40B4-BE49-F238E27FC236}">
+                <a16:creationId xmlns:a16="http://schemas.microsoft.com/office/drawing/2014/main" id="{E1E290F8-141C-62AD-B563-35361F97F971}"/>
+              </a:ext>
+            </a:extLst>
+          </p:cNvPr>
+          <p:cNvSpPr txBox="1"/>
+          <p:nvPr/>
+        </p:nvSpPr>
+        <p:spPr>
+          <a:xfrm>
+            <a:off x="6403165" y="6239126"/>
+            <a:ext cx="926119" cy="246221"/>
+          </a:xfrm>
+          <a:prstGeom prst="rect">
+            <a:avLst/>
+          </a:prstGeom>
+          <a:solidFill>
+            <a:schemeClr val="bg1"/>
+          </a:solidFill>
+        </p:spPr>
+        <p:txBody>
+          <a:bodyPr wrap="square" rtlCol="0">
+            <a:spAutoFit/>
+          </a:bodyPr>
+          <a:lstStyle/>
+          <a:p>
+            <a:r>
+              <a:rPr lang="en-US" altLang="ja-JP" sz="1000" b="1" dirty="0">
+                <a:solidFill>
+                  <a:srgbClr val="FF0000"/>
+                </a:solidFill>
+              </a:rPr>
+              <a:t>&lt;li&gt;&lt;</a:t>
+            </a:r>
+            <a:r>
+              <a:rPr lang="en-US" altLang="ja-JP" sz="1000" b="1" dirty="0" err="1">
+                <a:solidFill>
+                  <a:srgbClr val="FF0000"/>
+                </a:solidFill>
+              </a:rPr>
+              <a:t>img</a:t>
+            </a:r>
+            <a:r>
+              <a:rPr lang="en-US" altLang="ja-JP" sz="1000" b="1" dirty="0">
+                <a:solidFill>
+                  <a:srgbClr val="FF0000"/>
+                </a:solidFill>
+              </a:rPr>
+              <a:t>&gt;</a:t>
+            </a:r>
+          </a:p>
+        </p:txBody>
+      </p:sp>
+      <p:sp>
+        <p:nvSpPr>
+          <p:cNvPr id="29" name="テキスト ボックス 28">
+            <a:extLst>
+              <a:ext uri="{FF2B5EF4-FFF2-40B4-BE49-F238E27FC236}">
+                <a16:creationId xmlns:a16="http://schemas.microsoft.com/office/drawing/2014/main" id="{0C6A4C64-EC8D-E443-5B27-71791DA8B31E}"/>
+              </a:ext>
+            </a:extLst>
+          </p:cNvPr>
+          <p:cNvSpPr txBox="1"/>
+          <p:nvPr/>
+        </p:nvSpPr>
+        <p:spPr>
+          <a:xfrm>
+            <a:off x="617154" y="733495"/>
+            <a:ext cx="832948" cy="307777"/>
+          </a:xfrm>
+          <a:prstGeom prst="rect">
+            <a:avLst/>
+          </a:prstGeom>
+          <a:noFill/>
+        </p:spPr>
+        <p:txBody>
+          <a:bodyPr wrap="square" rtlCol="0">
+            <a:spAutoFit/>
+          </a:bodyPr>
+          <a:lstStyle/>
+          <a:p>
+            <a:r>
+              <a:rPr lang="en-US" altLang="ja-JP" sz="700" b="1" dirty="0">
+                <a:solidFill>
+                  <a:srgbClr val="FF0000"/>
+                </a:solidFill>
+              </a:rPr>
+              <a:t>Text-align: center;</a:t>
+            </a:r>
           </a:p>
         </p:txBody>
       </p:sp>
@@ -10328,55 +10646,6 @@
       </p:sp>
       <p:sp>
         <p:nvSpPr>
-          <p:cNvPr id="36" name="テキスト ボックス 35">
-            <a:extLst>
-              <a:ext uri="{FF2B5EF4-FFF2-40B4-BE49-F238E27FC236}">
-                <a16:creationId xmlns:a16="http://schemas.microsoft.com/office/drawing/2014/main" id="{533561F6-B760-4685-B7E6-6116E78B30A7}"/>
-              </a:ext>
-            </a:extLst>
-          </p:cNvPr>
-          <p:cNvSpPr txBox="1"/>
-          <p:nvPr/>
-        </p:nvSpPr>
-        <p:spPr>
-          <a:xfrm>
-            <a:off x="7055811" y="1274588"/>
-            <a:ext cx="661326" cy="1169551"/>
-          </a:xfrm>
-          <a:prstGeom prst="rect">
-            <a:avLst/>
-          </a:prstGeom>
-          <a:solidFill>
-            <a:schemeClr val="bg1"/>
-          </a:solidFill>
-        </p:spPr>
-        <p:txBody>
-          <a:bodyPr wrap="square" rtlCol="0">
-            <a:spAutoFit/>
-          </a:bodyPr>
-          <a:lstStyle/>
-          <a:p>
-            <a:r>
-              <a:rPr lang="en-US" altLang="ja-JP" sz="1000" b="1" dirty="0"/>
-              <a:t>Div class flex</a:t>
-            </a:r>
-          </a:p>
-          <a:p>
-            <a:endParaRPr lang="en-US" altLang="ja-JP" sz="1000" b="1" dirty="0"/>
-          </a:p>
-          <a:p>
-            <a:r>
-              <a:rPr lang="en-US" altLang="ja-JP" sz="1000" b="1" dirty="0"/>
-              <a:t>Works column</a:t>
-            </a:r>
-          </a:p>
-          <a:p>
-            <a:endParaRPr lang="en-US" altLang="ja-JP" sz="1000" b="1" dirty="0"/>
-          </a:p>
-        </p:txBody>
-      </p:sp>
-      <p:sp>
-        <p:nvSpPr>
           <p:cNvPr id="37" name="テキスト ボックス 36">
             <a:extLst>
               <a:ext uri="{FF2B5EF4-FFF2-40B4-BE49-F238E27FC236}">
@@ -10572,52 +10841,6 @@
       </p:sp>
       <p:sp>
         <p:nvSpPr>
-          <p:cNvPr id="42" name="テキスト ボックス 41">
-            <a:extLst>
-              <a:ext uri="{FF2B5EF4-FFF2-40B4-BE49-F238E27FC236}">
-                <a16:creationId xmlns:a16="http://schemas.microsoft.com/office/drawing/2014/main" id="{C3ECFA76-D8F8-733C-755B-16BEEBFDCA1E}"/>
-              </a:ext>
-            </a:extLst>
-          </p:cNvPr>
-          <p:cNvSpPr txBox="1"/>
-          <p:nvPr/>
-        </p:nvSpPr>
-        <p:spPr>
-          <a:xfrm>
-            <a:off x="2381851" y="100884"/>
-            <a:ext cx="1079228" cy="553998"/>
-          </a:xfrm>
-          <a:prstGeom prst="rect">
-            <a:avLst/>
-          </a:prstGeom>
-          <a:solidFill>
-            <a:schemeClr val="bg1"/>
-          </a:solidFill>
-        </p:spPr>
-        <p:txBody>
-          <a:bodyPr wrap="square" rtlCol="0">
-            <a:spAutoFit/>
-          </a:bodyPr>
-          <a:lstStyle/>
-          <a:p>
-            <a:r>
-              <a:rPr lang="en-US" altLang="ja-JP" sz="1000" b="1" dirty="0"/>
-              <a:t>Div class flex</a:t>
-            </a:r>
-          </a:p>
-          <a:p>
-            <a:r>
-              <a:rPr lang="en-US" altLang="ja-JP" sz="1000" b="1" dirty="0"/>
-              <a:t>header</a:t>
-            </a:r>
-          </a:p>
-          <a:p>
-            <a:endParaRPr lang="en-US" altLang="ja-JP" sz="1000" b="1" dirty="0"/>
-          </a:p>
-        </p:txBody>
-      </p:sp>
-      <p:sp>
-        <p:nvSpPr>
           <p:cNvPr id="43" name="正方形/長方形 42">
             <a:extLst>
               <a:ext uri="{FF2B5EF4-FFF2-40B4-BE49-F238E27FC236}">
@@ -11846,6 +12069,108 @@
               </a:rPr>
               <a:t>&lt;dd&gt;</a:t>
             </a:r>
+          </a:p>
+        </p:txBody>
+      </p:sp>
+      <p:sp>
+        <p:nvSpPr>
+          <p:cNvPr id="2" name="テキスト ボックス 1">
+            <a:extLst>
+              <a:ext uri="{FF2B5EF4-FFF2-40B4-BE49-F238E27FC236}">
+                <a16:creationId xmlns:a16="http://schemas.microsoft.com/office/drawing/2014/main" id="{1AAD67B1-FD50-B106-FBF0-1721174A7328}"/>
+              </a:ext>
+            </a:extLst>
+          </p:cNvPr>
+          <p:cNvSpPr txBox="1"/>
+          <p:nvPr/>
+        </p:nvSpPr>
+        <p:spPr>
+          <a:xfrm>
+            <a:off x="7088909" y="1388339"/>
+            <a:ext cx="661326" cy="1169551"/>
+          </a:xfrm>
+          <a:prstGeom prst="rect">
+            <a:avLst/>
+          </a:prstGeom>
+          <a:solidFill>
+            <a:schemeClr val="bg1"/>
+          </a:solidFill>
+        </p:spPr>
+        <p:txBody>
+          <a:bodyPr wrap="square" rtlCol="0">
+            <a:spAutoFit/>
+          </a:bodyPr>
+          <a:lstStyle/>
+          <a:p>
+            <a:r>
+              <a:rPr lang="en-US" altLang="ja-JP" sz="1000" b="1" dirty="0" err="1"/>
+              <a:t>Ul</a:t>
+            </a:r>
+            <a:endParaRPr lang="en-US" altLang="ja-JP" sz="1000" b="1" dirty="0"/>
+          </a:p>
+          <a:p>
+            <a:r>
+              <a:rPr lang="en-US" altLang="ja-JP" sz="1000" b="1" dirty="0"/>
+              <a:t> flex</a:t>
+            </a:r>
+          </a:p>
+          <a:p>
+            <a:r>
+              <a:rPr lang="en-US" altLang="ja-JP" sz="1000" b="1" dirty="0"/>
+              <a:t>wrap</a:t>
+            </a:r>
+          </a:p>
+          <a:p>
+            <a:endParaRPr lang="en-US" altLang="ja-JP" sz="1000" b="1" dirty="0"/>
+          </a:p>
+          <a:p>
+            <a:r>
+              <a:rPr lang="en-US" altLang="ja-JP" sz="1000" b="1" dirty="0"/>
+              <a:t>Works column</a:t>
+            </a:r>
+          </a:p>
+          <a:p>
+            <a:endParaRPr lang="en-US" altLang="ja-JP" sz="1000" b="1" dirty="0"/>
+          </a:p>
+        </p:txBody>
+      </p:sp>
+      <p:sp>
+        <p:nvSpPr>
+          <p:cNvPr id="3" name="テキスト ボックス 2">
+            <a:extLst>
+              <a:ext uri="{FF2B5EF4-FFF2-40B4-BE49-F238E27FC236}">
+                <a16:creationId xmlns:a16="http://schemas.microsoft.com/office/drawing/2014/main" id="{0371564F-9DCA-710C-EFAD-3929534B873E}"/>
+              </a:ext>
+            </a:extLst>
+          </p:cNvPr>
+          <p:cNvSpPr txBox="1"/>
+          <p:nvPr/>
+        </p:nvSpPr>
+        <p:spPr>
+          <a:xfrm>
+            <a:off x="2895438" y="78426"/>
+            <a:ext cx="1475313" cy="400110"/>
+          </a:xfrm>
+          <a:prstGeom prst="rect">
+            <a:avLst/>
+          </a:prstGeom>
+          <a:solidFill>
+            <a:schemeClr val="bg1"/>
+          </a:solidFill>
+        </p:spPr>
+        <p:txBody>
+          <a:bodyPr wrap="square" rtlCol="0">
+            <a:spAutoFit/>
+          </a:bodyPr>
+          <a:lstStyle/>
+          <a:p>
+            <a:r>
+              <a:rPr lang="en-US" altLang="ja-JP" sz="1000" b="1" dirty="0"/>
+              <a:t>#flex header</a:t>
+            </a:r>
+          </a:p>
+          <a:p>
+            <a:endParaRPr lang="en-US" altLang="ja-JP" sz="1000" b="1" dirty="0"/>
           </a:p>
         </p:txBody>
       </p:sp>

--- a/dojo_02_miyajima/ dojo_02_cordinig_design2.pptx
+++ b/dojo_02_miyajima/ dojo_02_cordinig_design2.pptx
@@ -12171,6 +12171,127 @@
           </a:p>
           <a:p>
             <a:endParaRPr lang="en-US" altLang="ja-JP" sz="1000" b="1" dirty="0"/>
+          </a:p>
+        </p:txBody>
+      </p:sp>
+      <p:sp>
+        <p:nvSpPr>
+          <p:cNvPr id="10" name="フリーフォーム 9">
+            <a:extLst>
+              <a:ext uri="{FF2B5EF4-FFF2-40B4-BE49-F238E27FC236}">
+                <a16:creationId xmlns:a16="http://schemas.microsoft.com/office/drawing/2014/main" id="{E144AEB0-901F-871C-9E3F-82E92CE3B1EB}"/>
+              </a:ext>
+            </a:extLst>
+          </p:cNvPr>
+          <p:cNvSpPr/>
+          <p:nvPr/>
+        </p:nvSpPr>
+        <p:spPr>
+          <a:xfrm>
+            <a:off x="7841549" y="1214948"/>
+            <a:ext cx="3100771" cy="880137"/>
+          </a:xfrm>
+          <a:custGeom>
+            <a:avLst/>
+            <a:gdLst>
+              <a:gd name="connsiteX0" fmla="*/ 1251651 w 3100771"/>
+              <a:gd name="connsiteY0" fmla="*/ 34732 h 880137"/>
+              <a:gd name="connsiteX1" fmla="*/ 2359091 w 3100771"/>
+              <a:gd name="connsiteY1" fmla="*/ 55052 h 880137"/>
+              <a:gd name="connsiteX2" fmla="*/ 2887411 w 3100771"/>
+              <a:gd name="connsiteY2" fmla="*/ 552892 h 880137"/>
+              <a:gd name="connsiteX3" fmla="*/ 388051 w 3100771"/>
+              <a:gd name="connsiteY3" fmla="*/ 563052 h 880137"/>
+              <a:gd name="connsiteX4" fmla="*/ 286451 w 3100771"/>
+              <a:gd name="connsiteY4" fmla="*/ 857692 h 880137"/>
+              <a:gd name="connsiteX5" fmla="*/ 3100771 w 3100771"/>
+              <a:gd name="connsiteY5" fmla="*/ 837372 h 880137"/>
+            </a:gdLst>
+            <a:ahLst/>
+            <a:cxnLst>
+              <a:cxn ang="0">
+                <a:pos x="connsiteX0" y="connsiteY0"/>
+              </a:cxn>
+              <a:cxn ang="0">
+                <a:pos x="connsiteX1" y="connsiteY1"/>
+              </a:cxn>
+              <a:cxn ang="0">
+                <a:pos x="connsiteX2" y="connsiteY2"/>
+              </a:cxn>
+              <a:cxn ang="0">
+                <a:pos x="connsiteX3" y="connsiteY3"/>
+              </a:cxn>
+              <a:cxn ang="0">
+                <a:pos x="connsiteX4" y="connsiteY4"/>
+              </a:cxn>
+              <a:cxn ang="0">
+                <a:pos x="connsiteX5" y="connsiteY5"/>
+              </a:cxn>
+            </a:cxnLst>
+            <a:rect l="l" t="t" r="r" b="b"/>
+            <a:pathLst>
+              <a:path w="3100771" h="880137">
+                <a:moveTo>
+                  <a:pt x="1251651" y="34732"/>
+                </a:moveTo>
+                <a:cubicBezTo>
+                  <a:pt x="1669057" y="1712"/>
+                  <a:pt x="2086464" y="-31308"/>
+                  <a:pt x="2359091" y="55052"/>
+                </a:cubicBezTo>
+                <a:cubicBezTo>
+                  <a:pt x="2631718" y="141412"/>
+                  <a:pt x="3215918" y="468225"/>
+                  <a:pt x="2887411" y="552892"/>
+                </a:cubicBezTo>
+                <a:cubicBezTo>
+                  <a:pt x="2558904" y="637559"/>
+                  <a:pt x="821544" y="512252"/>
+                  <a:pt x="388051" y="563052"/>
+                </a:cubicBezTo>
+                <a:cubicBezTo>
+                  <a:pt x="-45442" y="613852"/>
+                  <a:pt x="-165669" y="811972"/>
+                  <a:pt x="286451" y="857692"/>
+                </a:cubicBezTo>
+                <a:cubicBezTo>
+                  <a:pt x="738571" y="903412"/>
+                  <a:pt x="1919671" y="870392"/>
+                  <a:pt x="3100771" y="837372"/>
+                </a:cubicBezTo>
+              </a:path>
+            </a:pathLst>
+          </a:custGeom>
+          <a:noFill/>
+          <a:ln w="34925">
+            <a:solidFill>
+              <a:srgbClr val="FF0000"/>
+            </a:solidFill>
+            <a:tailEnd type="arrow"/>
+          </a:ln>
+        </p:spPr>
+        <p:style>
+          <a:lnRef idx="2">
+            <a:schemeClr val="accent1">
+              <a:shade val="15000"/>
+            </a:schemeClr>
+          </a:lnRef>
+          <a:fillRef idx="1">
+            <a:schemeClr val="accent1"/>
+          </a:fillRef>
+          <a:effectRef idx="0">
+            <a:schemeClr val="accent1"/>
+          </a:effectRef>
+          <a:fontRef idx="minor">
+            <a:schemeClr val="lt1"/>
+          </a:fontRef>
+        </p:style>
+        <p:txBody>
+          <a:bodyPr rtlCol="0" anchor="ctr"/>
+          <a:lstStyle/>
+          <a:p>
+            <a:pPr algn="ctr"/>
+            <a:endParaRPr kumimoji="1" lang="ja-JP" altLang="en-US"/>
           </a:p>
         </p:txBody>
       </p:sp>
